--- a/documents/BE_부트설계도.pptx
+++ b/documents/BE_부트설계도.pptx
@@ -104,6 +104,11 @@
       </a:defRPr>
     </a:lvl9pPr>
   </p:defaultTextStyle>
+  <p:extLst>
+    <p:ext uri="{EFAFB233-063F-42B5-8137-9DF3F51BA10A}">
+      <p15:sldGuideLst xmlns:p15="http://schemas.microsoft.com/office/powerpoint/2012/main"/>
+    </p:ext>
+  </p:extLst>
 </p:presentation>
 </file>
 
@@ -238,7 +243,7 @@
           <a:p>
             <a:fld id="{347C2E2D-AEAA-46C6-BFD0-91E62B6C0A93}" type="datetimeFigureOut">
               <a:rPr lang="ko-KR" altLang="en-US" smtClean="0"/>
-              <a:t>2023-05-09</a:t>
+              <a:t>2023-05-10</a:t>
             </a:fld>
             <a:endParaRPr lang="ko-KR" altLang="en-US"/>
           </a:p>
@@ -408,7 +413,7 @@
           <a:p>
             <a:fld id="{347C2E2D-AEAA-46C6-BFD0-91E62B6C0A93}" type="datetimeFigureOut">
               <a:rPr lang="ko-KR" altLang="en-US" smtClean="0"/>
-              <a:t>2023-05-09</a:t>
+              <a:t>2023-05-10</a:t>
             </a:fld>
             <a:endParaRPr lang="ko-KR" altLang="en-US"/>
           </a:p>
@@ -588,7 +593,7 @@
           <a:p>
             <a:fld id="{347C2E2D-AEAA-46C6-BFD0-91E62B6C0A93}" type="datetimeFigureOut">
               <a:rPr lang="ko-KR" altLang="en-US" smtClean="0"/>
-              <a:t>2023-05-09</a:t>
+              <a:t>2023-05-10</a:t>
             </a:fld>
             <a:endParaRPr lang="ko-KR" altLang="en-US"/>
           </a:p>
@@ -758,7 +763,7 @@
           <a:p>
             <a:fld id="{347C2E2D-AEAA-46C6-BFD0-91E62B6C0A93}" type="datetimeFigureOut">
               <a:rPr lang="ko-KR" altLang="en-US" smtClean="0"/>
-              <a:t>2023-05-09</a:t>
+              <a:t>2023-05-10</a:t>
             </a:fld>
             <a:endParaRPr lang="ko-KR" altLang="en-US"/>
           </a:p>
@@ -1004,7 +1009,7 @@
           <a:p>
             <a:fld id="{347C2E2D-AEAA-46C6-BFD0-91E62B6C0A93}" type="datetimeFigureOut">
               <a:rPr lang="ko-KR" altLang="en-US" smtClean="0"/>
-              <a:t>2023-05-09</a:t>
+              <a:t>2023-05-10</a:t>
             </a:fld>
             <a:endParaRPr lang="ko-KR" altLang="en-US"/>
           </a:p>
@@ -1236,7 +1241,7 @@
           <a:p>
             <a:fld id="{347C2E2D-AEAA-46C6-BFD0-91E62B6C0A93}" type="datetimeFigureOut">
               <a:rPr lang="ko-KR" altLang="en-US" smtClean="0"/>
-              <a:t>2023-05-09</a:t>
+              <a:t>2023-05-10</a:t>
             </a:fld>
             <a:endParaRPr lang="ko-KR" altLang="en-US"/>
           </a:p>
@@ -1603,7 +1608,7 @@
           <a:p>
             <a:fld id="{347C2E2D-AEAA-46C6-BFD0-91E62B6C0A93}" type="datetimeFigureOut">
               <a:rPr lang="ko-KR" altLang="en-US" smtClean="0"/>
-              <a:t>2023-05-09</a:t>
+              <a:t>2023-05-10</a:t>
             </a:fld>
             <a:endParaRPr lang="ko-KR" altLang="en-US"/>
           </a:p>
@@ -1721,7 +1726,7 @@
           <a:p>
             <a:fld id="{347C2E2D-AEAA-46C6-BFD0-91E62B6C0A93}" type="datetimeFigureOut">
               <a:rPr lang="ko-KR" altLang="en-US" smtClean="0"/>
-              <a:t>2023-05-09</a:t>
+              <a:t>2023-05-10</a:t>
             </a:fld>
             <a:endParaRPr lang="ko-KR" altLang="en-US"/>
           </a:p>
@@ -1816,7 +1821,7 @@
           <a:p>
             <a:fld id="{347C2E2D-AEAA-46C6-BFD0-91E62B6C0A93}" type="datetimeFigureOut">
               <a:rPr lang="ko-KR" altLang="en-US" smtClean="0"/>
-              <a:t>2023-05-09</a:t>
+              <a:t>2023-05-10</a:t>
             </a:fld>
             <a:endParaRPr lang="ko-KR" altLang="en-US"/>
           </a:p>
@@ -2093,7 +2098,7 @@
           <a:p>
             <a:fld id="{347C2E2D-AEAA-46C6-BFD0-91E62B6C0A93}" type="datetimeFigureOut">
               <a:rPr lang="ko-KR" altLang="en-US" smtClean="0"/>
-              <a:t>2023-05-09</a:t>
+              <a:t>2023-05-10</a:t>
             </a:fld>
             <a:endParaRPr lang="ko-KR" altLang="en-US"/>
           </a:p>
@@ -2346,7 +2351,7 @@
           <a:p>
             <a:fld id="{347C2E2D-AEAA-46C6-BFD0-91E62B6C0A93}" type="datetimeFigureOut">
               <a:rPr lang="ko-KR" altLang="en-US" smtClean="0"/>
-              <a:t>2023-05-09</a:t>
+              <a:t>2023-05-10</a:t>
             </a:fld>
             <a:endParaRPr lang="ko-KR" altLang="en-US"/>
           </a:p>
@@ -2559,7 +2564,7 @@
           <a:p>
             <a:fld id="{347C2E2D-AEAA-46C6-BFD0-91E62B6C0A93}" type="datetimeFigureOut">
               <a:rPr lang="ko-KR" altLang="en-US" smtClean="0"/>
-              <a:t>2023-05-09</a:t>
+              <a:t>2023-05-10</a:t>
             </a:fld>
             <a:endParaRPr lang="ko-KR" altLang="en-US"/>
           </a:p>
@@ -2972,7 +2977,7 @@
         </p:nvSpPr>
         <p:spPr>
           <a:xfrm>
-            <a:off x="697424" y="1441342"/>
+            <a:off x="697421" y="495930"/>
             <a:ext cx="1611823" cy="945397"/>
           </a:xfrm>
           <a:prstGeom prst="rect">
@@ -3007,20 +3012,9 @@
                   <a:schemeClr val="tx1"/>
                 </a:solidFill>
               </a:rPr>
-              <a:t>React,</a:t>
-            </a:r>
-          </a:p>
-          <a:p>
-            <a:pPr algn="ctr"/>
-            <a:r>
-              <a:rPr lang="en-US" altLang="ko-KR" dirty="0" smtClean="0">
-                <a:solidFill>
-                  <a:schemeClr val="tx1"/>
-                </a:solidFill>
-              </a:rPr>
-              <a:t>flask</a:t>
-            </a:r>
-            <a:endParaRPr lang="ko-KR" altLang="en-US" dirty="0">
+              <a:t>React</a:t>
+            </a:r>
+            <a:endParaRPr lang="en-US" altLang="ko-KR" dirty="0" smtClean="0">
               <a:solidFill>
                 <a:schemeClr val="tx1"/>
               </a:solidFill>
@@ -3240,292 +3234,6 @@
           </a:p>
         </p:txBody>
       </p:sp>
-      <p:cxnSp>
-        <p:nvCxnSpPr>
-          <p:cNvPr id="12" name="구부러진 연결선 11"/>
-          <p:cNvCxnSpPr>
-            <a:stCxn id="6" idx="0"/>
-            <a:endCxn id="7" idx="0"/>
-          </p:cNvCxnSpPr>
-          <p:nvPr/>
-        </p:nvCxnSpPr>
-        <p:spPr>
-          <a:xfrm rot="5400000" flipH="1" flipV="1">
-            <a:off x="2555929" y="388749"/>
-            <a:ext cx="1" cy="2105186"/>
-          </a:xfrm>
-          <a:prstGeom prst="curvedConnector3">
-            <a:avLst>
-              <a:gd name="adj1" fmla="val 22860100000"/>
-            </a:avLst>
-          </a:prstGeom>
-          <a:ln>
-            <a:tailEnd type="triangle"/>
-          </a:ln>
-        </p:spPr>
-        <p:style>
-          <a:lnRef idx="1">
-            <a:schemeClr val="accent1"/>
-          </a:lnRef>
-          <a:fillRef idx="0">
-            <a:schemeClr val="accent1"/>
-          </a:fillRef>
-          <a:effectRef idx="0">
-            <a:schemeClr val="accent1"/>
-          </a:effectRef>
-          <a:fontRef idx="minor">
-            <a:schemeClr val="tx1"/>
-          </a:fontRef>
-        </p:style>
-      </p:cxnSp>
-      <p:cxnSp>
-        <p:nvCxnSpPr>
-          <p:cNvPr id="17" name="구부러진 연결선 16"/>
-          <p:cNvCxnSpPr/>
-          <p:nvPr/>
-        </p:nvCxnSpPr>
-        <p:spPr>
-          <a:xfrm rot="5400000" flipH="1" flipV="1">
-            <a:off x="4661113" y="388745"/>
-            <a:ext cx="1" cy="2105186"/>
-          </a:xfrm>
-          <a:prstGeom prst="curvedConnector3">
-            <a:avLst>
-              <a:gd name="adj1" fmla="val 22860100000"/>
-            </a:avLst>
-          </a:prstGeom>
-          <a:ln>
-            <a:tailEnd type="triangle"/>
-          </a:ln>
-        </p:spPr>
-        <p:style>
-          <a:lnRef idx="1">
-            <a:schemeClr val="accent1"/>
-          </a:lnRef>
-          <a:fillRef idx="0">
-            <a:schemeClr val="accent1"/>
-          </a:fillRef>
-          <a:effectRef idx="0">
-            <a:schemeClr val="accent1"/>
-          </a:effectRef>
-          <a:fontRef idx="minor">
-            <a:schemeClr val="tx1"/>
-          </a:fontRef>
-        </p:style>
-      </p:cxnSp>
-      <p:cxnSp>
-        <p:nvCxnSpPr>
-          <p:cNvPr id="18" name="구부러진 연결선 17"/>
-          <p:cNvCxnSpPr/>
-          <p:nvPr/>
-        </p:nvCxnSpPr>
-        <p:spPr>
-          <a:xfrm rot="5400000" flipH="1" flipV="1">
-            <a:off x="6766300" y="388742"/>
-            <a:ext cx="1" cy="2105186"/>
-          </a:xfrm>
-          <a:prstGeom prst="curvedConnector3">
-            <a:avLst>
-              <a:gd name="adj1" fmla="val 22860100000"/>
-            </a:avLst>
-          </a:prstGeom>
-          <a:ln>
-            <a:tailEnd type="triangle"/>
-          </a:ln>
-        </p:spPr>
-        <p:style>
-          <a:lnRef idx="1">
-            <a:schemeClr val="accent1"/>
-          </a:lnRef>
-          <a:fillRef idx="0">
-            <a:schemeClr val="accent1"/>
-          </a:fillRef>
-          <a:effectRef idx="0">
-            <a:schemeClr val="accent1"/>
-          </a:effectRef>
-          <a:fontRef idx="minor">
-            <a:schemeClr val="tx1"/>
-          </a:fontRef>
-        </p:style>
-      </p:cxnSp>
-      <p:cxnSp>
-        <p:nvCxnSpPr>
-          <p:cNvPr id="20" name="구부러진 연결선 19"/>
-          <p:cNvCxnSpPr/>
-          <p:nvPr/>
-        </p:nvCxnSpPr>
-        <p:spPr>
-          <a:xfrm rot="5400000" flipH="1" flipV="1">
-            <a:off x="8871485" y="388735"/>
-            <a:ext cx="1" cy="2105186"/>
-          </a:xfrm>
-          <a:prstGeom prst="curvedConnector3">
-            <a:avLst>
-              <a:gd name="adj1" fmla="val 22860100000"/>
-            </a:avLst>
-          </a:prstGeom>
-          <a:ln>
-            <a:tailEnd type="triangle"/>
-          </a:ln>
-        </p:spPr>
-        <p:style>
-          <a:lnRef idx="1">
-            <a:schemeClr val="accent1"/>
-          </a:lnRef>
-          <a:fillRef idx="0">
-            <a:schemeClr val="accent1"/>
-          </a:fillRef>
-          <a:effectRef idx="0">
-            <a:schemeClr val="accent1"/>
-          </a:effectRef>
-          <a:fontRef idx="minor">
-            <a:schemeClr val="tx1"/>
-          </a:fontRef>
-        </p:style>
-      </p:cxnSp>
-      <p:cxnSp>
-        <p:nvCxnSpPr>
-          <p:cNvPr id="22" name="구부러진 연결선 21"/>
-          <p:cNvCxnSpPr>
-            <a:stCxn id="6" idx="2"/>
-            <a:endCxn id="7" idx="2"/>
-          </p:cNvCxnSpPr>
-          <p:nvPr/>
-        </p:nvCxnSpPr>
-        <p:spPr>
-          <a:xfrm rot="5400000" flipH="1" flipV="1">
-            <a:off x="2555928" y="1334146"/>
-            <a:ext cx="1" cy="2105186"/>
-          </a:xfrm>
-          <a:prstGeom prst="curvedConnector3">
-            <a:avLst>
-              <a:gd name="adj1" fmla="val -22860000000"/>
-            </a:avLst>
-          </a:prstGeom>
-          <a:ln>
-            <a:tailEnd type="triangle"/>
-          </a:ln>
-        </p:spPr>
-        <p:style>
-          <a:lnRef idx="1">
-            <a:schemeClr val="accent1"/>
-          </a:lnRef>
-          <a:fillRef idx="0">
-            <a:schemeClr val="accent1"/>
-          </a:fillRef>
-          <a:effectRef idx="0">
-            <a:schemeClr val="accent1"/>
-          </a:effectRef>
-          <a:fontRef idx="minor">
-            <a:schemeClr val="tx1"/>
-          </a:fontRef>
-        </p:style>
-      </p:cxnSp>
-      <p:cxnSp>
-        <p:nvCxnSpPr>
-          <p:cNvPr id="24" name="구부러진 연결선 23"/>
-          <p:cNvCxnSpPr/>
-          <p:nvPr/>
-        </p:nvCxnSpPr>
-        <p:spPr>
-          <a:xfrm rot="5400000" flipH="1" flipV="1">
-            <a:off x="4661113" y="1334139"/>
-            <a:ext cx="1" cy="2105186"/>
-          </a:xfrm>
-          <a:prstGeom prst="curvedConnector3">
-            <a:avLst>
-              <a:gd name="adj1" fmla="val -22860000000"/>
-            </a:avLst>
-          </a:prstGeom>
-          <a:ln>
-            <a:tailEnd type="triangle"/>
-          </a:ln>
-        </p:spPr>
-        <p:style>
-          <a:lnRef idx="1">
-            <a:schemeClr val="accent1"/>
-          </a:lnRef>
-          <a:fillRef idx="0">
-            <a:schemeClr val="accent1"/>
-          </a:fillRef>
-          <a:effectRef idx="0">
-            <a:schemeClr val="accent1"/>
-          </a:effectRef>
-          <a:fontRef idx="minor">
-            <a:schemeClr val="tx1"/>
-          </a:fontRef>
-        </p:style>
-      </p:cxnSp>
-      <p:cxnSp>
-        <p:nvCxnSpPr>
-          <p:cNvPr id="25" name="구부러진 연결선 24"/>
-          <p:cNvCxnSpPr/>
-          <p:nvPr/>
-        </p:nvCxnSpPr>
-        <p:spPr>
-          <a:xfrm rot="5400000" flipH="1" flipV="1">
-            <a:off x="6766299" y="1334125"/>
-            <a:ext cx="1" cy="2105186"/>
-          </a:xfrm>
-          <a:prstGeom prst="curvedConnector3">
-            <a:avLst>
-              <a:gd name="adj1" fmla="val -22860000000"/>
-            </a:avLst>
-          </a:prstGeom>
-          <a:ln>
-            <a:tailEnd type="triangle"/>
-          </a:ln>
-        </p:spPr>
-        <p:style>
-          <a:lnRef idx="1">
-            <a:schemeClr val="accent1"/>
-          </a:lnRef>
-          <a:fillRef idx="0">
-            <a:schemeClr val="accent1"/>
-          </a:fillRef>
-          <a:effectRef idx="0">
-            <a:schemeClr val="accent1"/>
-          </a:effectRef>
-          <a:fontRef idx="minor">
-            <a:schemeClr val="tx1"/>
-          </a:fontRef>
-        </p:style>
-      </p:cxnSp>
-      <p:cxnSp>
-        <p:nvCxnSpPr>
-          <p:cNvPr id="26" name="구부러진 연결선 25"/>
-          <p:cNvCxnSpPr/>
-          <p:nvPr/>
-        </p:nvCxnSpPr>
-        <p:spPr>
-          <a:xfrm rot="5400000" flipH="1" flipV="1">
-            <a:off x="8871485" y="1334106"/>
-            <a:ext cx="1" cy="2105186"/>
-          </a:xfrm>
-          <a:prstGeom prst="curvedConnector3">
-            <a:avLst>
-              <a:gd name="adj1" fmla="val -22860000000"/>
-            </a:avLst>
-          </a:prstGeom>
-          <a:ln>
-            <a:tailEnd type="triangle"/>
-          </a:ln>
-        </p:spPr>
-        <p:style>
-          <a:lnRef idx="1">
-            <a:schemeClr val="accent1"/>
-          </a:lnRef>
-          <a:fillRef idx="0">
-            <a:schemeClr val="accent1"/>
-          </a:fillRef>
-          <a:effectRef idx="0">
-            <a:schemeClr val="accent1"/>
-          </a:effectRef>
-          <a:fontRef idx="minor">
-            <a:schemeClr val="tx1"/>
-          </a:fontRef>
-        </p:style>
-      </p:cxnSp>
       <p:sp>
         <p:nvSpPr>
           <p:cNvPr id="28" name="직사각형 27"/>
@@ -3615,6 +3323,517 @@
           </a:fontRef>
         </p:style>
       </p:cxnSp>
+      <p:sp>
+        <p:nvSpPr>
+          <p:cNvPr id="19" name="직사각형 18"/>
+          <p:cNvSpPr/>
+          <p:nvPr/>
+        </p:nvSpPr>
+        <p:spPr>
+          <a:xfrm>
+            <a:off x="697421" y="2386698"/>
+            <a:ext cx="1611823" cy="945397"/>
+          </a:xfrm>
+          <a:prstGeom prst="rect">
+            <a:avLst/>
+          </a:prstGeom>
+          <a:noFill/>
+        </p:spPr>
+        <p:style>
+          <a:lnRef idx="2">
+            <a:schemeClr val="accent1">
+              <a:shade val="50000"/>
+            </a:schemeClr>
+          </a:lnRef>
+          <a:fillRef idx="1">
+            <a:schemeClr val="accent1"/>
+          </a:fillRef>
+          <a:effectRef idx="0">
+            <a:schemeClr val="accent1"/>
+          </a:effectRef>
+          <a:fontRef idx="minor">
+            <a:schemeClr val="lt1"/>
+          </a:fontRef>
+        </p:style>
+        <p:txBody>
+          <a:bodyPr rtlCol="0" anchor="ctr"/>
+          <a:lstStyle/>
+          <a:p>
+            <a:pPr algn="ctr"/>
+            <a:r>
+              <a:rPr lang="en-US" altLang="ko-KR" dirty="0">
+                <a:solidFill>
+                  <a:schemeClr val="tx1"/>
+                </a:solidFill>
+              </a:rPr>
+              <a:t>flask</a:t>
+            </a:r>
+            <a:endParaRPr lang="ko-KR" altLang="en-US" dirty="0">
+              <a:solidFill>
+                <a:schemeClr val="tx1"/>
+              </a:solidFill>
+            </a:endParaRPr>
+          </a:p>
+        </p:txBody>
+      </p:sp>
+      <p:cxnSp>
+        <p:nvCxnSpPr>
+          <p:cNvPr id="38" name="구부러진 연결선 37"/>
+          <p:cNvCxnSpPr>
+            <a:stCxn id="6" idx="0"/>
+            <a:endCxn id="7" idx="0"/>
+          </p:cNvCxnSpPr>
+          <p:nvPr/>
+        </p:nvCxnSpPr>
+        <p:spPr>
+          <a:xfrm rot="16200000" flipH="1">
+            <a:off x="2083221" y="-83959"/>
+            <a:ext cx="945411" cy="2105189"/>
+          </a:xfrm>
+          <a:prstGeom prst="curvedConnector3">
+            <a:avLst>
+              <a:gd name="adj1" fmla="val -24180"/>
+            </a:avLst>
+          </a:prstGeom>
+          <a:ln>
+            <a:headEnd type="triangle"/>
+            <a:tailEnd type="triangle"/>
+          </a:ln>
+        </p:spPr>
+        <p:style>
+          <a:lnRef idx="1">
+            <a:schemeClr val="accent1"/>
+          </a:lnRef>
+          <a:fillRef idx="0">
+            <a:schemeClr val="accent1"/>
+          </a:fillRef>
+          <a:effectRef idx="0">
+            <a:schemeClr val="accent1"/>
+          </a:effectRef>
+          <a:fontRef idx="minor">
+            <a:schemeClr val="tx1"/>
+          </a:fontRef>
+        </p:style>
+      </p:cxnSp>
+      <p:cxnSp>
+        <p:nvCxnSpPr>
+          <p:cNvPr id="40" name="구부러진 연결선 39"/>
+          <p:cNvCxnSpPr>
+            <a:stCxn id="19" idx="2"/>
+            <a:endCxn id="7" idx="2"/>
+          </p:cNvCxnSpPr>
+          <p:nvPr/>
+        </p:nvCxnSpPr>
+        <p:spPr>
+          <a:xfrm rot="5400000" flipH="1" flipV="1">
+            <a:off x="2083248" y="1806822"/>
+            <a:ext cx="945357" cy="2105189"/>
+          </a:xfrm>
+          <a:prstGeom prst="curvedConnector3">
+            <a:avLst>
+              <a:gd name="adj1" fmla="val -24181"/>
+            </a:avLst>
+          </a:prstGeom>
+          <a:ln>
+            <a:headEnd type="triangle"/>
+            <a:tailEnd type="triangle"/>
+          </a:ln>
+        </p:spPr>
+        <p:style>
+          <a:lnRef idx="1">
+            <a:schemeClr val="accent1"/>
+          </a:lnRef>
+          <a:fillRef idx="0">
+            <a:schemeClr val="accent1"/>
+          </a:fillRef>
+          <a:effectRef idx="0">
+            <a:schemeClr val="accent1"/>
+          </a:effectRef>
+          <a:fontRef idx="minor">
+            <a:schemeClr val="tx1"/>
+          </a:fontRef>
+        </p:style>
+      </p:cxnSp>
+      <p:cxnSp>
+        <p:nvCxnSpPr>
+          <p:cNvPr id="42" name="구부러진 연결선 41"/>
+          <p:cNvCxnSpPr>
+            <a:stCxn id="7" idx="0"/>
+            <a:endCxn id="8" idx="0"/>
+          </p:cNvCxnSpPr>
+          <p:nvPr/>
+        </p:nvCxnSpPr>
+        <p:spPr>
+          <a:xfrm rot="5400000" flipH="1" flipV="1">
+            <a:off x="4661115" y="388748"/>
+            <a:ext cx="12700" cy="2105186"/>
+          </a:xfrm>
+          <a:prstGeom prst="curvedConnector3">
+            <a:avLst>
+              <a:gd name="adj1" fmla="val 1800000"/>
+            </a:avLst>
+          </a:prstGeom>
+          <a:ln>
+            <a:headEnd type="triangle"/>
+            <a:tailEnd type="triangle"/>
+          </a:ln>
+        </p:spPr>
+        <p:style>
+          <a:lnRef idx="1">
+            <a:schemeClr val="accent1"/>
+          </a:lnRef>
+          <a:fillRef idx="0">
+            <a:schemeClr val="accent1"/>
+          </a:fillRef>
+          <a:effectRef idx="0">
+            <a:schemeClr val="accent1"/>
+          </a:effectRef>
+          <a:fontRef idx="minor">
+            <a:schemeClr val="tx1"/>
+          </a:fontRef>
+        </p:style>
+      </p:cxnSp>
+      <p:cxnSp>
+        <p:nvCxnSpPr>
+          <p:cNvPr id="43" name="구부러진 연결선 42"/>
+          <p:cNvCxnSpPr/>
+          <p:nvPr/>
+        </p:nvCxnSpPr>
+        <p:spPr>
+          <a:xfrm rot="5400000" flipH="1" flipV="1">
+            <a:off x="6772652" y="385572"/>
+            <a:ext cx="12700" cy="2105186"/>
+          </a:xfrm>
+          <a:prstGeom prst="curvedConnector3">
+            <a:avLst>
+              <a:gd name="adj1" fmla="val 1800000"/>
+            </a:avLst>
+          </a:prstGeom>
+          <a:ln>
+            <a:headEnd type="triangle"/>
+            <a:tailEnd type="triangle"/>
+          </a:ln>
+        </p:spPr>
+        <p:style>
+          <a:lnRef idx="1">
+            <a:schemeClr val="accent1"/>
+          </a:lnRef>
+          <a:fillRef idx="0">
+            <a:schemeClr val="accent1"/>
+          </a:fillRef>
+          <a:effectRef idx="0">
+            <a:schemeClr val="accent1"/>
+          </a:effectRef>
+          <a:fontRef idx="minor">
+            <a:schemeClr val="tx1"/>
+          </a:fontRef>
+        </p:style>
+      </p:cxnSp>
+      <p:cxnSp>
+        <p:nvCxnSpPr>
+          <p:cNvPr id="44" name="구부러진 연결선 43"/>
+          <p:cNvCxnSpPr/>
+          <p:nvPr/>
+        </p:nvCxnSpPr>
+        <p:spPr>
+          <a:xfrm rot="5400000" flipH="1" flipV="1">
+            <a:off x="8890540" y="371284"/>
+            <a:ext cx="12700" cy="2105186"/>
+          </a:xfrm>
+          <a:prstGeom prst="curvedConnector3">
+            <a:avLst>
+              <a:gd name="adj1" fmla="val 1800000"/>
+            </a:avLst>
+          </a:prstGeom>
+          <a:ln>
+            <a:headEnd type="triangle"/>
+            <a:tailEnd type="triangle"/>
+          </a:ln>
+        </p:spPr>
+        <p:style>
+          <a:lnRef idx="1">
+            <a:schemeClr val="accent1"/>
+          </a:lnRef>
+          <a:fillRef idx="0">
+            <a:schemeClr val="accent1"/>
+          </a:fillRef>
+          <a:effectRef idx="0">
+            <a:schemeClr val="accent1"/>
+          </a:effectRef>
+          <a:fontRef idx="minor">
+            <a:schemeClr val="tx1"/>
+          </a:fontRef>
+        </p:style>
+      </p:cxnSp>
+      <p:cxnSp>
+        <p:nvCxnSpPr>
+          <p:cNvPr id="46" name="구부러진 연결선 45"/>
+          <p:cNvCxnSpPr>
+            <a:stCxn id="7" idx="2"/>
+            <a:endCxn id="8" idx="2"/>
+          </p:cNvCxnSpPr>
+          <p:nvPr/>
+        </p:nvCxnSpPr>
+        <p:spPr>
+          <a:xfrm rot="16200000" flipH="1">
+            <a:off x="4661115" y="1334145"/>
+            <a:ext cx="12700" cy="2105186"/>
+          </a:xfrm>
+          <a:prstGeom prst="curvedConnector3">
+            <a:avLst>
+              <a:gd name="adj1" fmla="val 1800000"/>
+            </a:avLst>
+          </a:prstGeom>
+          <a:ln>
+            <a:headEnd type="triangle"/>
+            <a:tailEnd type="triangle"/>
+          </a:ln>
+        </p:spPr>
+        <p:style>
+          <a:lnRef idx="1">
+            <a:schemeClr val="accent1"/>
+          </a:lnRef>
+          <a:fillRef idx="0">
+            <a:schemeClr val="accent1"/>
+          </a:fillRef>
+          <a:effectRef idx="0">
+            <a:schemeClr val="accent1"/>
+          </a:effectRef>
+          <a:fontRef idx="minor">
+            <a:schemeClr val="tx1"/>
+          </a:fontRef>
+        </p:style>
+      </p:cxnSp>
+      <p:cxnSp>
+        <p:nvCxnSpPr>
+          <p:cNvPr id="47" name="구부러진 연결선 46"/>
+          <p:cNvCxnSpPr/>
+          <p:nvPr/>
+        </p:nvCxnSpPr>
+        <p:spPr>
+          <a:xfrm rot="16200000" flipH="1">
+            <a:off x="6753278" y="1350020"/>
+            <a:ext cx="12700" cy="2105186"/>
+          </a:xfrm>
+          <a:prstGeom prst="curvedConnector3">
+            <a:avLst>
+              <a:gd name="adj1" fmla="val 1800000"/>
+            </a:avLst>
+          </a:prstGeom>
+          <a:ln>
+            <a:headEnd type="triangle"/>
+            <a:tailEnd type="triangle"/>
+          </a:ln>
+        </p:spPr>
+        <p:style>
+          <a:lnRef idx="1">
+            <a:schemeClr val="accent1"/>
+          </a:lnRef>
+          <a:fillRef idx="0">
+            <a:schemeClr val="accent1"/>
+          </a:fillRef>
+          <a:effectRef idx="0">
+            <a:schemeClr val="accent1"/>
+          </a:effectRef>
+          <a:fontRef idx="minor">
+            <a:schemeClr val="tx1"/>
+          </a:fontRef>
+        </p:style>
+      </p:cxnSp>
+      <p:cxnSp>
+        <p:nvCxnSpPr>
+          <p:cNvPr id="48" name="구부러진 연결선 47"/>
+          <p:cNvCxnSpPr/>
+          <p:nvPr/>
+        </p:nvCxnSpPr>
+        <p:spPr>
+          <a:xfrm rot="16200000" flipH="1">
+            <a:off x="8871811" y="1362720"/>
+            <a:ext cx="12700" cy="2105186"/>
+          </a:xfrm>
+          <a:prstGeom prst="curvedConnector3">
+            <a:avLst>
+              <a:gd name="adj1" fmla="val 1677961"/>
+            </a:avLst>
+          </a:prstGeom>
+          <a:ln>
+            <a:headEnd type="triangle"/>
+            <a:tailEnd type="triangle"/>
+          </a:ln>
+        </p:spPr>
+        <p:style>
+          <a:lnRef idx="1">
+            <a:schemeClr val="accent1"/>
+          </a:lnRef>
+          <a:fillRef idx="0">
+            <a:schemeClr val="accent1"/>
+          </a:fillRef>
+          <a:effectRef idx="0">
+            <a:schemeClr val="accent1"/>
+          </a:effectRef>
+          <a:fontRef idx="minor">
+            <a:schemeClr val="tx1"/>
+          </a:fontRef>
+        </p:style>
+      </p:cxnSp>
+      <p:cxnSp>
+        <p:nvCxnSpPr>
+          <p:cNvPr id="51" name="직선 화살표 연결선 50"/>
+          <p:cNvCxnSpPr>
+            <a:stCxn id="7" idx="2"/>
+          </p:cNvCxnSpPr>
+          <p:nvPr/>
+        </p:nvCxnSpPr>
+        <p:spPr>
+          <a:xfrm flipH="1">
+            <a:off x="3608519" y="2386738"/>
+            <a:ext cx="3" cy="1337943"/>
+          </a:xfrm>
+          <a:prstGeom prst="straightConnector1">
+            <a:avLst/>
+          </a:prstGeom>
+          <a:ln w="9525" cap="flat" cmpd="sng" algn="ctr">
+            <a:solidFill>
+              <a:schemeClr val="dk1"/>
+            </a:solidFill>
+            <a:prstDash val="dash"/>
+            <a:round/>
+            <a:headEnd type="none" w="med" len="med"/>
+            <a:tailEnd type="none" w="med" len="med"/>
+          </a:ln>
+        </p:spPr>
+        <p:style>
+          <a:lnRef idx="0">
+            <a:scrgbClr r="0" g="0" b="0"/>
+          </a:lnRef>
+          <a:fillRef idx="0">
+            <a:scrgbClr r="0" g="0" b="0"/>
+          </a:fillRef>
+          <a:effectRef idx="0">
+            <a:scrgbClr r="0" g="0" b="0"/>
+          </a:effectRef>
+          <a:fontRef idx="minor">
+            <a:schemeClr val="tx1"/>
+          </a:fontRef>
+        </p:style>
+      </p:cxnSp>
+      <p:sp>
+        <p:nvSpPr>
+          <p:cNvPr id="54" name="직사각형 53"/>
+          <p:cNvSpPr/>
+          <p:nvPr/>
+        </p:nvSpPr>
+        <p:spPr>
+          <a:xfrm>
+            <a:off x="2802607" y="3724681"/>
+            <a:ext cx="1611823" cy="945397"/>
+          </a:xfrm>
+          <a:prstGeom prst="rect">
+            <a:avLst/>
+          </a:prstGeom>
+          <a:noFill/>
+        </p:spPr>
+        <p:style>
+          <a:lnRef idx="2">
+            <a:schemeClr val="accent1">
+              <a:shade val="50000"/>
+            </a:schemeClr>
+          </a:lnRef>
+          <a:fillRef idx="1">
+            <a:schemeClr val="accent1"/>
+          </a:fillRef>
+          <a:effectRef idx="0">
+            <a:schemeClr val="accent1"/>
+          </a:effectRef>
+          <a:fontRef idx="minor">
+            <a:schemeClr val="lt1"/>
+          </a:fontRef>
+        </p:style>
+        <p:txBody>
+          <a:bodyPr rtlCol="0" anchor="ctr"/>
+          <a:lstStyle/>
+          <a:p>
+            <a:pPr algn="ctr"/>
+            <a:r>
+              <a:rPr lang="en-US" altLang="ko-KR" sz="1400" dirty="0" err="1" smtClean="0">
+                <a:solidFill>
+                  <a:schemeClr val="tx1"/>
+                </a:solidFill>
+              </a:rPr>
+              <a:t>loginAPI</a:t>
+            </a:r>
+            <a:endParaRPr lang="en-US" altLang="ko-KR" sz="1400" dirty="0" smtClean="0">
+              <a:solidFill>
+                <a:schemeClr val="tx1"/>
+              </a:solidFill>
+            </a:endParaRPr>
+          </a:p>
+          <a:p>
+            <a:pPr algn="ctr"/>
+            <a:r>
+              <a:rPr lang="en-US" altLang="ko-KR" sz="1400" dirty="0" err="1" smtClean="0">
+                <a:solidFill>
+                  <a:schemeClr val="tx1"/>
+                </a:solidFill>
+              </a:rPr>
+              <a:t>logoutAPI</a:t>
+            </a:r>
+            <a:endParaRPr lang="en-US" altLang="ko-KR" sz="1400" dirty="0" smtClean="0">
+              <a:solidFill>
+                <a:schemeClr val="tx1"/>
+              </a:solidFill>
+            </a:endParaRPr>
+          </a:p>
+          <a:p>
+            <a:pPr algn="ctr"/>
+            <a:r>
+              <a:rPr lang="en-US" altLang="ko-KR" sz="1600" dirty="0" err="1" smtClean="0">
+                <a:solidFill>
+                  <a:schemeClr val="tx1"/>
+                </a:solidFill>
+              </a:rPr>
+              <a:t>workerlist</a:t>
+            </a:r>
+            <a:r>
+              <a:rPr lang="en-US" altLang="ko-KR" sz="1400" dirty="0" err="1" smtClean="0">
+                <a:solidFill>
+                  <a:schemeClr val="tx1"/>
+                </a:solidFill>
+              </a:rPr>
+              <a:t>API</a:t>
+            </a:r>
+            <a:endParaRPr lang="en-US" altLang="ko-KR" sz="1400" dirty="0" smtClean="0">
+              <a:solidFill>
+                <a:schemeClr val="tx1"/>
+              </a:solidFill>
+            </a:endParaRPr>
+          </a:p>
+          <a:p>
+            <a:pPr algn="ctr"/>
+            <a:r>
+              <a:rPr lang="en-US" altLang="ko-KR" sz="1200" dirty="0" err="1">
+                <a:solidFill>
+                  <a:schemeClr val="tx1"/>
+                </a:solidFill>
+              </a:rPr>
+              <a:t>worker</a:t>
+            </a:r>
+            <a:r>
+              <a:rPr lang="en-US" altLang="ko-KR" sz="1200" dirty="0" err="1" smtClean="0">
+                <a:solidFill>
+                  <a:schemeClr val="tx1"/>
+                </a:solidFill>
+              </a:rPr>
+              <a:t>CheckAPI</a:t>
+            </a:r>
+            <a:endParaRPr lang="ko-KR" altLang="en-US" sz="1200" dirty="0">
+              <a:solidFill>
+                <a:schemeClr val="tx1"/>
+              </a:solidFill>
+            </a:endParaRPr>
+          </a:p>
+        </p:txBody>
+      </p:sp>
     </p:spTree>
     <p:extLst>
       <p:ext uri="{BB962C8B-B14F-4D97-AF65-F5344CB8AC3E}">

--- a/documents/BE_부트설계도.pptx
+++ b/documents/BE_부트설계도.pptx
@@ -243,7 +243,7 @@
           <a:p>
             <a:fld id="{347C2E2D-AEAA-46C6-BFD0-91E62B6C0A93}" type="datetimeFigureOut">
               <a:rPr lang="ko-KR" altLang="en-US" smtClean="0"/>
-              <a:t>2023-05-10</a:t>
+              <a:t>2023-05-11</a:t>
             </a:fld>
             <a:endParaRPr lang="ko-KR" altLang="en-US"/>
           </a:p>
@@ -413,7 +413,7 @@
           <a:p>
             <a:fld id="{347C2E2D-AEAA-46C6-BFD0-91E62B6C0A93}" type="datetimeFigureOut">
               <a:rPr lang="ko-KR" altLang="en-US" smtClean="0"/>
-              <a:t>2023-05-10</a:t>
+              <a:t>2023-05-11</a:t>
             </a:fld>
             <a:endParaRPr lang="ko-KR" altLang="en-US"/>
           </a:p>
@@ -593,7 +593,7 @@
           <a:p>
             <a:fld id="{347C2E2D-AEAA-46C6-BFD0-91E62B6C0A93}" type="datetimeFigureOut">
               <a:rPr lang="ko-KR" altLang="en-US" smtClean="0"/>
-              <a:t>2023-05-10</a:t>
+              <a:t>2023-05-11</a:t>
             </a:fld>
             <a:endParaRPr lang="ko-KR" altLang="en-US"/>
           </a:p>
@@ -763,7 +763,7 @@
           <a:p>
             <a:fld id="{347C2E2D-AEAA-46C6-BFD0-91E62B6C0A93}" type="datetimeFigureOut">
               <a:rPr lang="ko-KR" altLang="en-US" smtClean="0"/>
-              <a:t>2023-05-10</a:t>
+              <a:t>2023-05-11</a:t>
             </a:fld>
             <a:endParaRPr lang="ko-KR" altLang="en-US"/>
           </a:p>
@@ -1009,7 +1009,7 @@
           <a:p>
             <a:fld id="{347C2E2D-AEAA-46C6-BFD0-91E62B6C0A93}" type="datetimeFigureOut">
               <a:rPr lang="ko-KR" altLang="en-US" smtClean="0"/>
-              <a:t>2023-05-10</a:t>
+              <a:t>2023-05-11</a:t>
             </a:fld>
             <a:endParaRPr lang="ko-KR" altLang="en-US"/>
           </a:p>
@@ -1241,7 +1241,7 @@
           <a:p>
             <a:fld id="{347C2E2D-AEAA-46C6-BFD0-91E62B6C0A93}" type="datetimeFigureOut">
               <a:rPr lang="ko-KR" altLang="en-US" smtClean="0"/>
-              <a:t>2023-05-10</a:t>
+              <a:t>2023-05-11</a:t>
             </a:fld>
             <a:endParaRPr lang="ko-KR" altLang="en-US"/>
           </a:p>
@@ -1608,7 +1608,7 @@
           <a:p>
             <a:fld id="{347C2E2D-AEAA-46C6-BFD0-91E62B6C0A93}" type="datetimeFigureOut">
               <a:rPr lang="ko-KR" altLang="en-US" smtClean="0"/>
-              <a:t>2023-05-10</a:t>
+              <a:t>2023-05-11</a:t>
             </a:fld>
             <a:endParaRPr lang="ko-KR" altLang="en-US"/>
           </a:p>
@@ -1726,7 +1726,7 @@
           <a:p>
             <a:fld id="{347C2E2D-AEAA-46C6-BFD0-91E62B6C0A93}" type="datetimeFigureOut">
               <a:rPr lang="ko-KR" altLang="en-US" smtClean="0"/>
-              <a:t>2023-05-10</a:t>
+              <a:t>2023-05-11</a:t>
             </a:fld>
             <a:endParaRPr lang="ko-KR" altLang="en-US"/>
           </a:p>
@@ -1821,7 +1821,7 @@
           <a:p>
             <a:fld id="{347C2E2D-AEAA-46C6-BFD0-91E62B6C0A93}" type="datetimeFigureOut">
               <a:rPr lang="ko-KR" altLang="en-US" smtClean="0"/>
-              <a:t>2023-05-10</a:t>
+              <a:t>2023-05-11</a:t>
             </a:fld>
             <a:endParaRPr lang="ko-KR" altLang="en-US"/>
           </a:p>
@@ -2098,7 +2098,7 @@
           <a:p>
             <a:fld id="{347C2E2D-AEAA-46C6-BFD0-91E62B6C0A93}" type="datetimeFigureOut">
               <a:rPr lang="ko-KR" altLang="en-US" smtClean="0"/>
-              <a:t>2023-05-10</a:t>
+              <a:t>2023-05-11</a:t>
             </a:fld>
             <a:endParaRPr lang="ko-KR" altLang="en-US"/>
           </a:p>
@@ -2351,7 +2351,7 @@
           <a:p>
             <a:fld id="{347C2E2D-AEAA-46C6-BFD0-91E62B6C0A93}" type="datetimeFigureOut">
               <a:rPr lang="ko-KR" altLang="en-US" smtClean="0"/>
-              <a:t>2023-05-10</a:t>
+              <a:t>2023-05-11</a:t>
             </a:fld>
             <a:endParaRPr lang="ko-KR" altLang="en-US"/>
           </a:p>
@@ -2564,7 +2564,7 @@
           <a:p>
             <a:fld id="{347C2E2D-AEAA-46C6-BFD0-91E62B6C0A93}" type="datetimeFigureOut">
               <a:rPr lang="ko-KR" altLang="en-US" smtClean="0"/>
-              <a:t>2023-05-10</a:t>
+              <a:t>2023-05-11</a:t>
             </a:fld>
             <a:endParaRPr lang="ko-KR" altLang="en-US"/>
           </a:p>
@@ -2971,13 +2971,13 @@
       </p:grpSpPr>
       <p:sp>
         <p:nvSpPr>
-          <p:cNvPr id="6" name="직사각형 5"/>
+          <p:cNvPr id="7" name="직사각형 6"/>
           <p:cNvSpPr/>
           <p:nvPr/>
         </p:nvSpPr>
         <p:spPr>
           <a:xfrm>
-            <a:off x="697421" y="495930"/>
+            <a:off x="4298901" y="1441341"/>
             <a:ext cx="1611823" cy="945397"/>
           </a:xfrm>
           <a:prstGeom prst="rect">
@@ -3012,9 +3012,9 @@
                   <a:schemeClr val="tx1"/>
                 </a:solidFill>
               </a:rPr>
-              <a:t>React</a:t>
-            </a:r>
-            <a:endParaRPr lang="en-US" altLang="ko-KR" dirty="0" smtClean="0">
+              <a:t>Controller</a:t>
+            </a:r>
+            <a:endParaRPr lang="ko-KR" altLang="en-US" dirty="0">
               <a:solidFill>
                 <a:schemeClr val="tx1"/>
               </a:solidFill>
@@ -3024,13 +3024,13 @@
       </p:sp>
       <p:sp>
         <p:nvSpPr>
-          <p:cNvPr id="7" name="직사각형 6"/>
+          <p:cNvPr id="8" name="직사각형 7"/>
           <p:cNvSpPr/>
           <p:nvPr/>
         </p:nvSpPr>
         <p:spPr>
           <a:xfrm>
-            <a:off x="2802610" y="1441341"/>
+            <a:off x="6404087" y="1441341"/>
             <a:ext cx="1611823" cy="945397"/>
           </a:xfrm>
           <a:prstGeom prst="rect">
@@ -3065,7 +3065,7 @@
                   <a:schemeClr val="tx1"/>
                 </a:solidFill>
               </a:rPr>
-              <a:t>Controller</a:t>
+              <a:t>Service</a:t>
             </a:r>
             <a:endParaRPr lang="ko-KR" altLang="en-US" dirty="0">
               <a:solidFill>
@@ -3077,13 +3077,13 @@
       </p:sp>
       <p:sp>
         <p:nvSpPr>
-          <p:cNvPr id="8" name="직사각형 7"/>
+          <p:cNvPr id="9" name="직사각형 8"/>
           <p:cNvSpPr/>
           <p:nvPr/>
         </p:nvSpPr>
         <p:spPr>
           <a:xfrm>
-            <a:off x="4907796" y="1441341"/>
+            <a:off x="8509273" y="2383562"/>
             <a:ext cx="1611823" cy="945397"/>
           </a:xfrm>
           <a:prstGeom prst="rect">
@@ -3118,7 +3118,7 @@
                   <a:schemeClr val="tx1"/>
                 </a:solidFill>
               </a:rPr>
-              <a:t>Service</a:t>
+              <a:t>Repository</a:t>
             </a:r>
             <a:endParaRPr lang="ko-KR" altLang="en-US" dirty="0">
               <a:solidFill>
@@ -3130,13 +3130,13 @@
       </p:sp>
       <p:sp>
         <p:nvSpPr>
-          <p:cNvPr id="9" name="직사각형 8"/>
+          <p:cNvPr id="28" name="직사각형 27"/>
           <p:cNvSpPr/>
           <p:nvPr/>
         </p:nvSpPr>
         <p:spPr>
           <a:xfrm>
-            <a:off x="7012982" y="1441340"/>
+            <a:off x="8509272" y="747598"/>
             <a:ext cx="1611823" cy="945397"/>
           </a:xfrm>
           <a:prstGeom prst="rect">
@@ -3171,7 +3171,7 @@
                   <a:schemeClr val="tx1"/>
                 </a:solidFill>
               </a:rPr>
-              <a:t>Repository</a:t>
+              <a:t>domain</a:t>
             </a:r>
             <a:endParaRPr lang="ko-KR" altLang="en-US" dirty="0">
               <a:solidFill>
@@ -3183,13 +3183,13 @@
       </p:sp>
       <p:sp>
         <p:nvSpPr>
-          <p:cNvPr id="10" name="직사각형 9"/>
+          <p:cNvPr id="19" name="직사각형 18"/>
           <p:cNvSpPr/>
           <p:nvPr/>
         </p:nvSpPr>
         <p:spPr>
           <a:xfrm>
-            <a:off x="9118168" y="1441339"/>
+            <a:off x="2193715" y="1441341"/>
             <a:ext cx="1611823" cy="945397"/>
           </a:xfrm>
           <a:prstGeom prst="rect">
@@ -3219,148 +3219,6 @@
           <a:p>
             <a:pPr algn="ctr"/>
             <a:r>
-              <a:rPr lang="en-US" altLang="ko-KR" dirty="0" smtClean="0">
-                <a:solidFill>
-                  <a:schemeClr val="tx1"/>
-                </a:solidFill>
-              </a:rPr>
-              <a:t>MySQL</a:t>
-            </a:r>
-            <a:endParaRPr lang="ko-KR" altLang="en-US" dirty="0">
-              <a:solidFill>
-                <a:schemeClr val="tx1"/>
-              </a:solidFill>
-            </a:endParaRPr>
-          </a:p>
-        </p:txBody>
-      </p:sp>
-      <p:sp>
-        <p:nvSpPr>
-          <p:cNvPr id="28" name="직사각형 27"/>
-          <p:cNvSpPr/>
-          <p:nvPr/>
-        </p:nvSpPr>
-        <p:spPr>
-          <a:xfrm>
-            <a:off x="7012982" y="3251983"/>
-            <a:ext cx="1611823" cy="945397"/>
-          </a:xfrm>
-          <a:prstGeom prst="rect">
-            <a:avLst/>
-          </a:prstGeom>
-          <a:noFill/>
-        </p:spPr>
-        <p:style>
-          <a:lnRef idx="2">
-            <a:schemeClr val="accent1">
-              <a:shade val="50000"/>
-            </a:schemeClr>
-          </a:lnRef>
-          <a:fillRef idx="1">
-            <a:schemeClr val="accent1"/>
-          </a:fillRef>
-          <a:effectRef idx="0">
-            <a:schemeClr val="accent1"/>
-          </a:effectRef>
-          <a:fontRef idx="minor">
-            <a:schemeClr val="lt1"/>
-          </a:fontRef>
-        </p:style>
-        <p:txBody>
-          <a:bodyPr rtlCol="0" anchor="ctr"/>
-          <a:lstStyle/>
-          <a:p>
-            <a:pPr algn="ctr"/>
-            <a:r>
-              <a:rPr lang="en-US" altLang="ko-KR" dirty="0" smtClean="0">
-                <a:solidFill>
-                  <a:schemeClr val="tx1"/>
-                </a:solidFill>
-              </a:rPr>
-              <a:t>domain</a:t>
-            </a:r>
-            <a:endParaRPr lang="ko-KR" altLang="en-US" dirty="0">
-              <a:solidFill>
-                <a:schemeClr val="tx1"/>
-              </a:solidFill>
-            </a:endParaRPr>
-          </a:p>
-        </p:txBody>
-      </p:sp>
-      <p:cxnSp>
-        <p:nvCxnSpPr>
-          <p:cNvPr id="30" name="직선 화살표 연결선 29"/>
-          <p:cNvCxnSpPr>
-            <a:stCxn id="9" idx="2"/>
-            <a:endCxn id="28" idx="0"/>
-          </p:cNvCxnSpPr>
-          <p:nvPr/>
-        </p:nvCxnSpPr>
-        <p:spPr>
-          <a:xfrm>
-            <a:off x="7818894" y="2386737"/>
-            <a:ext cx="0" cy="865246"/>
-          </a:xfrm>
-          <a:prstGeom prst="straightConnector1">
-            <a:avLst/>
-          </a:prstGeom>
-          <a:ln>
-            <a:tailEnd type="triangle"/>
-          </a:ln>
-        </p:spPr>
-        <p:style>
-          <a:lnRef idx="1">
-            <a:schemeClr val="accent1"/>
-          </a:lnRef>
-          <a:fillRef idx="0">
-            <a:schemeClr val="accent1"/>
-          </a:fillRef>
-          <a:effectRef idx="0">
-            <a:schemeClr val="accent1"/>
-          </a:effectRef>
-          <a:fontRef idx="minor">
-            <a:schemeClr val="tx1"/>
-          </a:fontRef>
-        </p:style>
-      </p:cxnSp>
-      <p:sp>
-        <p:nvSpPr>
-          <p:cNvPr id="19" name="직사각형 18"/>
-          <p:cNvSpPr/>
-          <p:nvPr/>
-        </p:nvSpPr>
-        <p:spPr>
-          <a:xfrm>
-            <a:off x="697421" y="2386698"/>
-            <a:ext cx="1611823" cy="945397"/>
-          </a:xfrm>
-          <a:prstGeom prst="rect">
-            <a:avLst/>
-          </a:prstGeom>
-          <a:noFill/>
-        </p:spPr>
-        <p:style>
-          <a:lnRef idx="2">
-            <a:schemeClr val="accent1">
-              <a:shade val="50000"/>
-            </a:schemeClr>
-          </a:lnRef>
-          <a:fillRef idx="1">
-            <a:schemeClr val="accent1"/>
-          </a:fillRef>
-          <a:effectRef idx="0">
-            <a:schemeClr val="accent1"/>
-          </a:effectRef>
-          <a:fontRef idx="minor">
-            <a:schemeClr val="lt1"/>
-          </a:fontRef>
-        </p:style>
-        <p:txBody>
-          <a:bodyPr rtlCol="0" anchor="ctr"/>
-          <a:lstStyle/>
-          <a:p>
-            <a:pPr algn="ctr"/>
-            <a:r>
               <a:rPr lang="en-US" altLang="ko-KR" dirty="0">
                 <a:solidFill>
                   <a:schemeClr val="tx1"/>
@@ -3376,306 +3234,6 @@
           </a:p>
         </p:txBody>
       </p:sp>
-      <p:cxnSp>
-        <p:nvCxnSpPr>
-          <p:cNvPr id="38" name="구부러진 연결선 37"/>
-          <p:cNvCxnSpPr>
-            <a:stCxn id="6" idx="0"/>
-            <a:endCxn id="7" idx="0"/>
-          </p:cNvCxnSpPr>
-          <p:nvPr/>
-        </p:nvCxnSpPr>
-        <p:spPr>
-          <a:xfrm rot="16200000" flipH="1">
-            <a:off x="2083221" y="-83959"/>
-            <a:ext cx="945411" cy="2105189"/>
-          </a:xfrm>
-          <a:prstGeom prst="curvedConnector3">
-            <a:avLst>
-              <a:gd name="adj1" fmla="val -24180"/>
-            </a:avLst>
-          </a:prstGeom>
-          <a:ln>
-            <a:headEnd type="triangle"/>
-            <a:tailEnd type="triangle"/>
-          </a:ln>
-        </p:spPr>
-        <p:style>
-          <a:lnRef idx="1">
-            <a:schemeClr val="accent1"/>
-          </a:lnRef>
-          <a:fillRef idx="0">
-            <a:schemeClr val="accent1"/>
-          </a:fillRef>
-          <a:effectRef idx="0">
-            <a:schemeClr val="accent1"/>
-          </a:effectRef>
-          <a:fontRef idx="minor">
-            <a:schemeClr val="tx1"/>
-          </a:fontRef>
-        </p:style>
-      </p:cxnSp>
-      <p:cxnSp>
-        <p:nvCxnSpPr>
-          <p:cNvPr id="40" name="구부러진 연결선 39"/>
-          <p:cNvCxnSpPr>
-            <a:stCxn id="19" idx="2"/>
-            <a:endCxn id="7" idx="2"/>
-          </p:cNvCxnSpPr>
-          <p:nvPr/>
-        </p:nvCxnSpPr>
-        <p:spPr>
-          <a:xfrm rot="5400000" flipH="1" flipV="1">
-            <a:off x="2083248" y="1806822"/>
-            <a:ext cx="945357" cy="2105189"/>
-          </a:xfrm>
-          <a:prstGeom prst="curvedConnector3">
-            <a:avLst>
-              <a:gd name="adj1" fmla="val -24181"/>
-            </a:avLst>
-          </a:prstGeom>
-          <a:ln>
-            <a:headEnd type="triangle"/>
-            <a:tailEnd type="triangle"/>
-          </a:ln>
-        </p:spPr>
-        <p:style>
-          <a:lnRef idx="1">
-            <a:schemeClr val="accent1"/>
-          </a:lnRef>
-          <a:fillRef idx="0">
-            <a:schemeClr val="accent1"/>
-          </a:fillRef>
-          <a:effectRef idx="0">
-            <a:schemeClr val="accent1"/>
-          </a:effectRef>
-          <a:fontRef idx="minor">
-            <a:schemeClr val="tx1"/>
-          </a:fontRef>
-        </p:style>
-      </p:cxnSp>
-      <p:cxnSp>
-        <p:nvCxnSpPr>
-          <p:cNvPr id="42" name="구부러진 연결선 41"/>
-          <p:cNvCxnSpPr>
-            <a:stCxn id="7" idx="0"/>
-            <a:endCxn id="8" idx="0"/>
-          </p:cNvCxnSpPr>
-          <p:nvPr/>
-        </p:nvCxnSpPr>
-        <p:spPr>
-          <a:xfrm rot="5400000" flipH="1" flipV="1">
-            <a:off x="4661115" y="388748"/>
-            <a:ext cx="12700" cy="2105186"/>
-          </a:xfrm>
-          <a:prstGeom prst="curvedConnector3">
-            <a:avLst>
-              <a:gd name="adj1" fmla="val 1800000"/>
-            </a:avLst>
-          </a:prstGeom>
-          <a:ln>
-            <a:headEnd type="triangle"/>
-            <a:tailEnd type="triangle"/>
-          </a:ln>
-        </p:spPr>
-        <p:style>
-          <a:lnRef idx="1">
-            <a:schemeClr val="accent1"/>
-          </a:lnRef>
-          <a:fillRef idx="0">
-            <a:schemeClr val="accent1"/>
-          </a:fillRef>
-          <a:effectRef idx="0">
-            <a:schemeClr val="accent1"/>
-          </a:effectRef>
-          <a:fontRef idx="minor">
-            <a:schemeClr val="tx1"/>
-          </a:fontRef>
-        </p:style>
-      </p:cxnSp>
-      <p:cxnSp>
-        <p:nvCxnSpPr>
-          <p:cNvPr id="43" name="구부러진 연결선 42"/>
-          <p:cNvCxnSpPr/>
-          <p:nvPr/>
-        </p:nvCxnSpPr>
-        <p:spPr>
-          <a:xfrm rot="5400000" flipH="1" flipV="1">
-            <a:off x="6772652" y="385572"/>
-            <a:ext cx="12700" cy="2105186"/>
-          </a:xfrm>
-          <a:prstGeom prst="curvedConnector3">
-            <a:avLst>
-              <a:gd name="adj1" fmla="val 1800000"/>
-            </a:avLst>
-          </a:prstGeom>
-          <a:ln>
-            <a:headEnd type="triangle"/>
-            <a:tailEnd type="triangle"/>
-          </a:ln>
-        </p:spPr>
-        <p:style>
-          <a:lnRef idx="1">
-            <a:schemeClr val="accent1"/>
-          </a:lnRef>
-          <a:fillRef idx="0">
-            <a:schemeClr val="accent1"/>
-          </a:fillRef>
-          <a:effectRef idx="0">
-            <a:schemeClr val="accent1"/>
-          </a:effectRef>
-          <a:fontRef idx="minor">
-            <a:schemeClr val="tx1"/>
-          </a:fontRef>
-        </p:style>
-      </p:cxnSp>
-      <p:cxnSp>
-        <p:nvCxnSpPr>
-          <p:cNvPr id="44" name="구부러진 연결선 43"/>
-          <p:cNvCxnSpPr/>
-          <p:nvPr/>
-        </p:nvCxnSpPr>
-        <p:spPr>
-          <a:xfrm rot="5400000" flipH="1" flipV="1">
-            <a:off x="8890540" y="371284"/>
-            <a:ext cx="12700" cy="2105186"/>
-          </a:xfrm>
-          <a:prstGeom prst="curvedConnector3">
-            <a:avLst>
-              <a:gd name="adj1" fmla="val 1800000"/>
-            </a:avLst>
-          </a:prstGeom>
-          <a:ln>
-            <a:headEnd type="triangle"/>
-            <a:tailEnd type="triangle"/>
-          </a:ln>
-        </p:spPr>
-        <p:style>
-          <a:lnRef idx="1">
-            <a:schemeClr val="accent1"/>
-          </a:lnRef>
-          <a:fillRef idx="0">
-            <a:schemeClr val="accent1"/>
-          </a:fillRef>
-          <a:effectRef idx="0">
-            <a:schemeClr val="accent1"/>
-          </a:effectRef>
-          <a:fontRef idx="minor">
-            <a:schemeClr val="tx1"/>
-          </a:fontRef>
-        </p:style>
-      </p:cxnSp>
-      <p:cxnSp>
-        <p:nvCxnSpPr>
-          <p:cNvPr id="46" name="구부러진 연결선 45"/>
-          <p:cNvCxnSpPr>
-            <a:stCxn id="7" idx="2"/>
-            <a:endCxn id="8" idx="2"/>
-          </p:cNvCxnSpPr>
-          <p:nvPr/>
-        </p:nvCxnSpPr>
-        <p:spPr>
-          <a:xfrm rot="16200000" flipH="1">
-            <a:off x="4661115" y="1334145"/>
-            <a:ext cx="12700" cy="2105186"/>
-          </a:xfrm>
-          <a:prstGeom prst="curvedConnector3">
-            <a:avLst>
-              <a:gd name="adj1" fmla="val 1800000"/>
-            </a:avLst>
-          </a:prstGeom>
-          <a:ln>
-            <a:headEnd type="triangle"/>
-            <a:tailEnd type="triangle"/>
-          </a:ln>
-        </p:spPr>
-        <p:style>
-          <a:lnRef idx="1">
-            <a:schemeClr val="accent1"/>
-          </a:lnRef>
-          <a:fillRef idx="0">
-            <a:schemeClr val="accent1"/>
-          </a:fillRef>
-          <a:effectRef idx="0">
-            <a:schemeClr val="accent1"/>
-          </a:effectRef>
-          <a:fontRef idx="minor">
-            <a:schemeClr val="tx1"/>
-          </a:fontRef>
-        </p:style>
-      </p:cxnSp>
-      <p:cxnSp>
-        <p:nvCxnSpPr>
-          <p:cNvPr id="47" name="구부러진 연결선 46"/>
-          <p:cNvCxnSpPr/>
-          <p:nvPr/>
-        </p:nvCxnSpPr>
-        <p:spPr>
-          <a:xfrm rot="16200000" flipH="1">
-            <a:off x="6753278" y="1350020"/>
-            <a:ext cx="12700" cy="2105186"/>
-          </a:xfrm>
-          <a:prstGeom prst="curvedConnector3">
-            <a:avLst>
-              <a:gd name="adj1" fmla="val 1800000"/>
-            </a:avLst>
-          </a:prstGeom>
-          <a:ln>
-            <a:headEnd type="triangle"/>
-            <a:tailEnd type="triangle"/>
-          </a:ln>
-        </p:spPr>
-        <p:style>
-          <a:lnRef idx="1">
-            <a:schemeClr val="accent1"/>
-          </a:lnRef>
-          <a:fillRef idx="0">
-            <a:schemeClr val="accent1"/>
-          </a:fillRef>
-          <a:effectRef idx="0">
-            <a:schemeClr val="accent1"/>
-          </a:effectRef>
-          <a:fontRef idx="minor">
-            <a:schemeClr val="tx1"/>
-          </a:fontRef>
-        </p:style>
-      </p:cxnSp>
-      <p:cxnSp>
-        <p:nvCxnSpPr>
-          <p:cNvPr id="48" name="구부러진 연결선 47"/>
-          <p:cNvCxnSpPr/>
-          <p:nvPr/>
-        </p:nvCxnSpPr>
-        <p:spPr>
-          <a:xfrm rot="16200000" flipH="1">
-            <a:off x="8871811" y="1362720"/>
-            <a:ext cx="12700" cy="2105186"/>
-          </a:xfrm>
-          <a:prstGeom prst="curvedConnector3">
-            <a:avLst>
-              <a:gd name="adj1" fmla="val 1677961"/>
-            </a:avLst>
-          </a:prstGeom>
-          <a:ln>
-            <a:headEnd type="triangle"/>
-            <a:tailEnd type="triangle"/>
-          </a:ln>
-        </p:spPr>
-        <p:style>
-          <a:lnRef idx="1">
-            <a:schemeClr val="accent1"/>
-          </a:lnRef>
-          <a:fillRef idx="0">
-            <a:schemeClr val="accent1"/>
-          </a:fillRef>
-          <a:effectRef idx="0">
-            <a:schemeClr val="accent1"/>
-          </a:effectRef>
-          <a:fontRef idx="minor">
-            <a:schemeClr val="tx1"/>
-          </a:fontRef>
-        </p:style>
-      </p:cxnSp>
       <p:cxnSp>
         <p:nvCxnSpPr>
           <p:cNvPr id="51" name="직선 화살표 연결선 50"/>
@@ -3686,7 +3244,7 @@
         </p:nvCxnSpPr>
         <p:spPr>
           <a:xfrm flipH="1">
-            <a:off x="3608519" y="2386738"/>
+            <a:off x="5104810" y="2386738"/>
             <a:ext cx="3" cy="1337943"/>
           </a:xfrm>
           <a:prstGeom prst="straightConnector1">
@@ -3725,7 +3283,7 @@
         </p:nvSpPr>
         <p:spPr>
           <a:xfrm>
-            <a:off x="2802607" y="3724681"/>
+            <a:off x="4298898" y="3724681"/>
             <a:ext cx="1611823" cy="945397"/>
           </a:xfrm>
           <a:prstGeom prst="rect">
@@ -3834,6 +3392,150 @@
           </a:p>
         </p:txBody>
       </p:sp>
+      <p:cxnSp>
+        <p:nvCxnSpPr>
+          <p:cNvPr id="15" name="직선 화살표 연결선 14"/>
+          <p:cNvCxnSpPr>
+            <a:stCxn id="7" idx="3"/>
+            <a:endCxn id="8" idx="1"/>
+          </p:cNvCxnSpPr>
+          <p:nvPr/>
+        </p:nvCxnSpPr>
+        <p:spPr>
+          <a:xfrm>
+            <a:off x="5910724" y="1914040"/>
+            <a:ext cx="493363" cy="0"/>
+          </a:xfrm>
+          <a:prstGeom prst="straightConnector1">
+            <a:avLst/>
+          </a:prstGeom>
+          <a:ln>
+            <a:tailEnd type="triangle"/>
+          </a:ln>
+        </p:spPr>
+        <p:style>
+          <a:lnRef idx="1">
+            <a:schemeClr val="accent1"/>
+          </a:lnRef>
+          <a:fillRef idx="0">
+            <a:schemeClr val="accent1"/>
+          </a:fillRef>
+          <a:effectRef idx="0">
+            <a:schemeClr val="accent1"/>
+          </a:effectRef>
+          <a:fontRef idx="minor">
+            <a:schemeClr val="tx1"/>
+          </a:fontRef>
+        </p:style>
+      </p:cxnSp>
+      <p:cxnSp>
+        <p:nvCxnSpPr>
+          <p:cNvPr id="24" name="직선 화살표 연결선 23"/>
+          <p:cNvCxnSpPr>
+            <a:stCxn id="19" idx="3"/>
+            <a:endCxn id="7" idx="1"/>
+          </p:cNvCxnSpPr>
+          <p:nvPr/>
+        </p:nvCxnSpPr>
+        <p:spPr>
+          <a:xfrm>
+            <a:off x="3805538" y="1914040"/>
+            <a:ext cx="493363" cy="0"/>
+          </a:xfrm>
+          <a:prstGeom prst="straightConnector1">
+            <a:avLst/>
+          </a:prstGeom>
+          <a:ln>
+            <a:tailEnd type="triangle"/>
+          </a:ln>
+        </p:spPr>
+        <p:style>
+          <a:lnRef idx="1">
+            <a:schemeClr val="accent1"/>
+          </a:lnRef>
+          <a:fillRef idx="0">
+            <a:schemeClr val="accent1"/>
+          </a:fillRef>
+          <a:effectRef idx="0">
+            <a:schemeClr val="accent1"/>
+          </a:effectRef>
+          <a:fontRef idx="minor">
+            <a:schemeClr val="tx1"/>
+          </a:fontRef>
+        </p:style>
+      </p:cxnSp>
+      <p:cxnSp>
+        <p:nvCxnSpPr>
+          <p:cNvPr id="26" name="직선 화살표 연결선 25"/>
+          <p:cNvCxnSpPr>
+            <a:stCxn id="8" idx="2"/>
+            <a:endCxn id="9" idx="1"/>
+          </p:cNvCxnSpPr>
+          <p:nvPr/>
+        </p:nvCxnSpPr>
+        <p:spPr>
+          <a:xfrm rot="16200000" flipH="1">
+            <a:off x="7624875" y="1971862"/>
+            <a:ext cx="469523" cy="1299274"/>
+          </a:xfrm>
+          <a:prstGeom prst="bentConnector2">
+            <a:avLst/>
+          </a:prstGeom>
+          <a:ln>
+            <a:tailEnd type="triangle"/>
+          </a:ln>
+        </p:spPr>
+        <p:style>
+          <a:lnRef idx="1">
+            <a:schemeClr val="accent1"/>
+          </a:lnRef>
+          <a:fillRef idx="0">
+            <a:schemeClr val="accent1"/>
+          </a:fillRef>
+          <a:effectRef idx="0">
+            <a:schemeClr val="accent1"/>
+          </a:effectRef>
+          <a:fontRef idx="minor">
+            <a:schemeClr val="tx1"/>
+          </a:fontRef>
+        </p:style>
+      </p:cxnSp>
+      <p:cxnSp>
+        <p:nvCxnSpPr>
+          <p:cNvPr id="29" name="직선 화살표 연결선 28"/>
+          <p:cNvCxnSpPr>
+            <a:stCxn id="8" idx="0"/>
+            <a:endCxn id="28" idx="1"/>
+          </p:cNvCxnSpPr>
+          <p:nvPr/>
+        </p:nvCxnSpPr>
+        <p:spPr>
+          <a:xfrm rot="5400000" flipH="1" flipV="1">
+            <a:off x="7749113" y="681183"/>
+            <a:ext cx="221044" cy="1299273"/>
+          </a:xfrm>
+          <a:prstGeom prst="bentConnector2">
+            <a:avLst/>
+          </a:prstGeom>
+          <a:ln>
+            <a:tailEnd type="triangle"/>
+          </a:ln>
+        </p:spPr>
+        <p:style>
+          <a:lnRef idx="1">
+            <a:schemeClr val="accent1"/>
+          </a:lnRef>
+          <a:fillRef idx="0">
+            <a:schemeClr val="accent1"/>
+          </a:fillRef>
+          <a:effectRef idx="0">
+            <a:schemeClr val="accent1"/>
+          </a:effectRef>
+          <a:fontRef idx="minor">
+            <a:schemeClr val="tx1"/>
+          </a:fontRef>
+        </p:style>
+      </p:cxnSp>
     </p:spTree>
     <p:extLst>
       <p:ext uri="{BB962C8B-B14F-4D97-AF65-F5344CB8AC3E}">
